--- a/slide_decks/03_commandlne_arguments_python.pptx
+++ b/slide_decks/03_commandlne_arguments_python.pptx
@@ -3813,15 +3813,7 @@
           <a:p>
             <a:r>
               <a:rPr lang="en-US" dirty="0" smtClean="0"/>
-              <a:t>How would you multiply all of thos</a:t>
-            </a:r>
-            <a:r>
-              <a:rPr lang="en-US" dirty="0" smtClean="0"/>
-              <a:t>e </a:t>
-            </a:r>
-            <a:r>
-              <a:rPr lang="en-US" dirty="0" smtClean="0"/>
-              <a:t>numbers together?</a:t>
+              <a:t>How would you multiply all of those numbers together?</a:t>
             </a:r>
             <a:endParaRPr lang="en-US" dirty="0"/>
           </a:p>
@@ -5289,20 +5281,24 @@
           <a:p>
             <a:r>
               <a:rPr lang="en-US" dirty="0" smtClean="0"/>
-              <a:t>Access the source code here </a:t>
-            </a:r>
-            <a:r>
-              <a:rPr lang="en-US" dirty="0" smtClean="0">
-                <a:solidFill>
-                  <a:srgbClr val="FF0000"/>
-                </a:solidFill>
-              </a:rPr>
-              <a:t>[INSERT LINK]: </a:t>
-            </a:r>
-            <a:endParaRPr lang="en-US" dirty="0">
+              <a:t>Access the source code </a:t>
+            </a:r>
+            <a:r>
+              <a:rPr lang="en-US" dirty="0" smtClean="0"/>
+              <a:t>here: </a:t>
+            </a:r>
+            <a:r>
+              <a:rPr lang="en-US" sz="1800" dirty="0" smtClean="0">
+                <a:latin typeface="Consolas" pitchFamily="49" charset="0"/>
+                <a:hlinkClick r:id="rId2"/>
+              </a:rPr>
+              <a:t>https://github.com/purcellconsult/python-mastery-crashcourse-one/tree/master/code/command_line_arguments_python</a:t>
+            </a:r>
+            <a:endParaRPr lang="en-US" sz="1800" dirty="0">
               <a:solidFill>
                 <a:srgbClr val="FF0000"/>
               </a:solidFill>
+              <a:latin typeface="Consolas" pitchFamily="49" charset="0"/>
             </a:endParaRPr>
           </a:p>
         </p:txBody>
@@ -5702,11 +5698,7 @@
           <a:p>
             <a:r>
               <a:rPr lang="en-US" dirty="0" smtClean="0"/>
-              <a:t>For example, if they want to get the area of a triangle without modifying </a:t>
-            </a:r>
-            <a:r>
-              <a:rPr lang="en-US" dirty="0" smtClean="0"/>
-              <a:t>area.py</a:t>
+              <a:t>For example, if they want to get the area of a triangle without modifying area.py</a:t>
             </a:r>
           </a:p>
           <a:p>
@@ -5714,7 +5706,6 @@
               <a:rPr lang="en-US" dirty="0" smtClean="0"/>
               <a:t>Modifying code in this context could be dangerous</a:t>
             </a:r>
-            <a:endParaRPr lang="en-US" dirty="0" smtClean="0"/>
           </a:p>
           <a:p>
             <a:pPr>
